--- a/Day 7/Slides/1. Course Overview/course-overview-slides.pptx
+++ b/Day 7/Slides/1. Course Overview/course-overview-slides.pptx
@@ -5,15 +5,14 @@
     <p:sldMasterId id="2147483648" r:id="rId1"/>
   </p:sldMasterIdLst>
   <p:notesMasterIdLst>
-    <p:notesMasterId r:id="rId9"/>
+    <p:notesMasterId r:id="rId7"/>
   </p:notesMasterIdLst>
   <p:sldIdLst>
-    <p:sldId id="257" r:id="rId3"/>
-    <p:sldId id="256" r:id="rId4"/>
-    <p:sldId id="258" r:id="rId5"/>
-    <p:sldId id="259" r:id="rId6"/>
-    <p:sldId id="260" r:id="rId7"/>
-    <p:sldId id="261" r:id="rId8"/>
+    <p:sldId id="257" r:id="rId2"/>
+    <p:sldId id="256" r:id="rId3"/>
+    <p:sldId id="258" r:id="rId4"/>
+    <p:sldId id="260" r:id="rId5"/>
+    <p:sldId id="261" r:id="rId6"/>
   </p:sldIdLst>
   <p:sldSz cx="12192000" cy="6858000"/>
   <p:notesSz cx="6858000" cy="9144000"/>
@@ -112,6 +111,11 @@
       </a:defRPr>
     </a:lvl9pPr>
   </p:defaultTextStyle>
+  <p:extLst>
+    <p:ext uri="{EFAFB233-063F-42B5-8137-9DF3F51BA10A}">
+      <p15:sldGuideLst xmlns:p15="http://schemas.microsoft.com/office/powerpoint/2012/main"/>
+    </p:ext>
+  </p:extLst>
 </p:presentation>
 </file>
 
@@ -197,6 +201,7 @@
           <a:p>
             <a:fld id="{3EFD42F7-718C-4B98-AAEC-167E6DDD60A7}" type="datetimeFigureOut">
               <a:rPr lang="en-US" smtClean="0"/>
+              <a:t>8/13/2023</a:t>
             </a:fld>
             <a:endParaRPr lang="en-US"/>
           </a:p>
@@ -260,42 +265,37 @@
           <a:p>
             <a:pPr lvl="0"/>
             <a:r>
-              <a:rPr lang="en-US" smtClean="0"/>
+              <a:rPr lang="en-US"/>
               <a:t>Click to edit Master text styles</a:t>
             </a:r>
-            <a:endParaRPr lang="en-US" smtClean="0"/>
           </a:p>
           <a:p>
             <a:pPr lvl="1"/>
             <a:r>
-              <a:rPr lang="en-US" smtClean="0"/>
+              <a:rPr lang="en-US"/>
               <a:t>Second level</a:t>
             </a:r>
-            <a:endParaRPr lang="en-US" smtClean="0"/>
           </a:p>
           <a:p>
             <a:pPr lvl="2"/>
             <a:r>
-              <a:rPr lang="en-US" smtClean="0"/>
+              <a:rPr lang="en-US"/>
               <a:t>Third level</a:t>
             </a:r>
-            <a:endParaRPr lang="en-US" smtClean="0"/>
           </a:p>
           <a:p>
             <a:pPr lvl="3"/>
             <a:r>
-              <a:rPr lang="en-US" smtClean="0"/>
+              <a:rPr lang="en-US"/>
               <a:t>Fourth level</a:t>
             </a:r>
-            <a:endParaRPr lang="en-US" smtClean="0"/>
           </a:p>
           <a:p>
             <a:pPr lvl="4"/>
             <a:r>
-              <a:rPr lang="en-US" smtClean="0"/>
+              <a:rPr lang="en-US"/>
               <a:t>Fifth level</a:t>
             </a:r>
-            <a:endParaRPr lang="en-US"/>
           </a:p>
         </p:txBody>
       </p:sp>
@@ -359,6 +359,7 @@
           <a:p>
             <a:fld id="{21B2AA4F-B828-4D7C-AFD3-893933DAFCB4}" type="slidenum">
               <a:rPr lang="en-US" smtClean="0"/>
+              <a:t>‹#›</a:t>
             </a:fld>
             <a:endParaRPr lang="en-US"/>
           </a:p>
@@ -504,10 +505,9 @@
           </a:lstStyle>
           <a:p>
             <a:r>
-              <a:rPr lang="en-US" smtClean="0"/>
+              <a:rPr lang="en-US"/>
               <a:t>Click to edit Master title style</a:t>
             </a:r>
-            <a:endParaRPr lang="en-US"/>
           </a:p>
         </p:txBody>
       </p:sp>
@@ -569,10 +569,9 @@
           </a:lstStyle>
           <a:p>
             <a:r>
-              <a:rPr lang="en-US" smtClean="0"/>
+              <a:rPr lang="en-US"/>
               <a:t>Click to edit Master subtitle style</a:t>
             </a:r>
-            <a:endParaRPr lang="en-US"/>
           </a:p>
         </p:txBody>
       </p:sp>
@@ -593,6 +592,7 @@
           <a:p>
             <a:fld id="{63A1C593-65D0-4073-BCC9-577B9352EA97}" type="datetimeFigureOut">
               <a:rPr lang="en-US" smtClean="0"/>
+              <a:t>8/13/2023</a:t>
             </a:fld>
             <a:endParaRPr lang="en-US"/>
           </a:p>
@@ -634,6 +634,7 @@
           <a:p>
             <a:fld id="{9B618960-8005-486C-9A75-10CB2AAC16F9}" type="slidenum">
               <a:rPr lang="en-US" smtClean="0"/>
+              <a:t>‹#›</a:t>
             </a:fld>
             <a:endParaRPr lang="en-US"/>
           </a:p>
@@ -681,10 +682,9 @@
           <a:lstStyle/>
           <a:p>
             <a:r>
-              <a:rPr lang="en-US" smtClean="0"/>
+              <a:rPr lang="en-US"/>
               <a:t>Click to edit Master title style</a:t>
             </a:r>
-            <a:endParaRPr lang="en-US"/>
           </a:p>
         </p:txBody>
       </p:sp>
@@ -705,42 +705,37 @@
           <a:p>
             <a:pPr lvl="0"/>
             <a:r>
-              <a:rPr lang="en-US" smtClean="0"/>
+              <a:rPr lang="en-US"/>
               <a:t>Click to edit Master text styles</a:t>
             </a:r>
-            <a:endParaRPr lang="en-US" smtClean="0"/>
           </a:p>
           <a:p>
             <a:pPr lvl="1"/>
             <a:r>
-              <a:rPr lang="en-US" smtClean="0"/>
+              <a:rPr lang="en-US"/>
               <a:t>Second level</a:t>
             </a:r>
-            <a:endParaRPr lang="en-US" smtClean="0"/>
           </a:p>
           <a:p>
             <a:pPr lvl="2"/>
             <a:r>
-              <a:rPr lang="en-US" smtClean="0"/>
+              <a:rPr lang="en-US"/>
               <a:t>Third level</a:t>
             </a:r>
-            <a:endParaRPr lang="en-US" smtClean="0"/>
           </a:p>
           <a:p>
             <a:pPr lvl="3"/>
             <a:r>
-              <a:rPr lang="en-US" smtClean="0"/>
+              <a:rPr lang="en-US"/>
               <a:t>Fourth level</a:t>
             </a:r>
-            <a:endParaRPr lang="en-US" smtClean="0"/>
           </a:p>
           <a:p>
             <a:pPr lvl="4"/>
             <a:r>
-              <a:rPr lang="en-US" smtClean="0"/>
+              <a:rPr lang="en-US"/>
               <a:t>Fifth level</a:t>
             </a:r>
-            <a:endParaRPr lang="en-US"/>
           </a:p>
         </p:txBody>
       </p:sp>
@@ -761,6 +756,7 @@
           <a:p>
             <a:fld id="{63A1C593-65D0-4073-BCC9-577B9352EA97}" type="datetimeFigureOut">
               <a:rPr lang="en-US" smtClean="0"/>
+              <a:t>8/13/2023</a:t>
             </a:fld>
             <a:endParaRPr lang="en-US"/>
           </a:p>
@@ -802,6 +798,7 @@
           <a:p>
             <a:fld id="{9B618960-8005-486C-9A75-10CB2AAC16F9}" type="slidenum">
               <a:rPr lang="en-US" smtClean="0"/>
+              <a:t>‹#›</a:t>
             </a:fld>
             <a:endParaRPr lang="en-US"/>
           </a:p>
@@ -854,10 +851,9 @@
           <a:lstStyle/>
           <a:p>
             <a:r>
-              <a:rPr lang="en-US" smtClean="0"/>
+              <a:rPr lang="en-US"/>
               <a:t>Click to edit Master title style</a:t>
             </a:r>
-            <a:endParaRPr lang="en-US"/>
           </a:p>
         </p:txBody>
       </p:sp>
@@ -883,42 +879,37 @@
           <a:p>
             <a:pPr lvl="0"/>
             <a:r>
-              <a:rPr lang="en-US" smtClean="0"/>
+              <a:rPr lang="en-US"/>
               <a:t>Click to edit Master text styles</a:t>
             </a:r>
-            <a:endParaRPr lang="en-US" smtClean="0"/>
           </a:p>
           <a:p>
             <a:pPr lvl="1"/>
             <a:r>
-              <a:rPr lang="en-US" smtClean="0"/>
+              <a:rPr lang="en-US"/>
               <a:t>Second level</a:t>
             </a:r>
-            <a:endParaRPr lang="en-US" smtClean="0"/>
           </a:p>
           <a:p>
             <a:pPr lvl="2"/>
             <a:r>
-              <a:rPr lang="en-US" smtClean="0"/>
+              <a:rPr lang="en-US"/>
               <a:t>Third level</a:t>
             </a:r>
-            <a:endParaRPr lang="en-US" smtClean="0"/>
           </a:p>
           <a:p>
             <a:pPr lvl="3"/>
             <a:r>
-              <a:rPr lang="en-US" smtClean="0"/>
+              <a:rPr lang="en-US"/>
               <a:t>Fourth level</a:t>
             </a:r>
-            <a:endParaRPr lang="en-US" smtClean="0"/>
           </a:p>
           <a:p>
             <a:pPr lvl="4"/>
             <a:r>
-              <a:rPr lang="en-US" smtClean="0"/>
+              <a:rPr lang="en-US"/>
               <a:t>Fifth level</a:t>
             </a:r>
-            <a:endParaRPr lang="en-US"/>
           </a:p>
         </p:txBody>
       </p:sp>
@@ -939,6 +930,7 @@
           <a:p>
             <a:fld id="{63A1C593-65D0-4073-BCC9-577B9352EA97}" type="datetimeFigureOut">
               <a:rPr lang="en-US" smtClean="0"/>
+              <a:t>8/13/2023</a:t>
             </a:fld>
             <a:endParaRPr lang="en-US"/>
           </a:p>
@@ -980,6 +972,7 @@
           <a:p>
             <a:fld id="{9B618960-8005-486C-9A75-10CB2AAC16F9}" type="slidenum">
               <a:rPr lang="en-US" smtClean="0"/>
+              <a:t>‹#›</a:t>
             </a:fld>
             <a:endParaRPr lang="en-US"/>
           </a:p>
@@ -1027,10 +1020,9 @@
           <a:lstStyle/>
           <a:p>
             <a:r>
-              <a:rPr lang="en-US" smtClean="0"/>
+              <a:rPr lang="en-US"/>
               <a:t>Click to edit Master title style</a:t>
             </a:r>
-            <a:endParaRPr lang="en-US"/>
           </a:p>
         </p:txBody>
       </p:sp>
@@ -1051,42 +1043,37 @@
           <a:p>
             <a:pPr lvl="0"/>
             <a:r>
-              <a:rPr lang="en-US" smtClean="0"/>
+              <a:rPr lang="en-US"/>
               <a:t>Click to edit Master text styles</a:t>
             </a:r>
-            <a:endParaRPr lang="en-US" smtClean="0"/>
           </a:p>
           <a:p>
             <a:pPr lvl="1"/>
             <a:r>
-              <a:rPr lang="en-US" smtClean="0"/>
+              <a:rPr lang="en-US"/>
               <a:t>Second level</a:t>
             </a:r>
-            <a:endParaRPr lang="en-US" smtClean="0"/>
           </a:p>
           <a:p>
             <a:pPr lvl="2"/>
             <a:r>
-              <a:rPr lang="en-US" smtClean="0"/>
+              <a:rPr lang="en-US"/>
               <a:t>Third level</a:t>
             </a:r>
-            <a:endParaRPr lang="en-US" smtClean="0"/>
           </a:p>
           <a:p>
             <a:pPr lvl="3"/>
             <a:r>
-              <a:rPr lang="en-US" smtClean="0"/>
+              <a:rPr lang="en-US"/>
               <a:t>Fourth level</a:t>
             </a:r>
-            <a:endParaRPr lang="en-US" smtClean="0"/>
           </a:p>
           <a:p>
             <a:pPr lvl="4"/>
             <a:r>
-              <a:rPr lang="en-US" smtClean="0"/>
+              <a:rPr lang="en-US"/>
               <a:t>Fifth level</a:t>
             </a:r>
-            <a:endParaRPr lang="en-US"/>
           </a:p>
         </p:txBody>
       </p:sp>
@@ -1107,6 +1094,7 @@
           <a:p>
             <a:fld id="{63A1C593-65D0-4073-BCC9-577B9352EA97}" type="datetimeFigureOut">
               <a:rPr lang="en-US" smtClean="0"/>
+              <a:t>8/13/2023</a:t>
             </a:fld>
             <a:endParaRPr lang="en-US"/>
           </a:p>
@@ -1148,6 +1136,7 @@
           <a:p>
             <a:fld id="{9B618960-8005-486C-9A75-10CB2AAC16F9}" type="slidenum">
               <a:rPr lang="en-US" smtClean="0"/>
+              <a:t>‹#›</a:t>
             </a:fld>
             <a:endParaRPr lang="en-US"/>
           </a:p>
@@ -1204,10 +1193,9 @@
           </a:lstStyle>
           <a:p>
             <a:r>
-              <a:rPr lang="en-US" smtClean="0"/>
+              <a:rPr lang="en-US"/>
               <a:t>Click to edit Master title style</a:t>
             </a:r>
-            <a:endParaRPr lang="en-US"/>
           </a:p>
         </p:txBody>
       </p:sp>
@@ -1324,10 +1312,9 @@
           <a:p>
             <a:pPr lvl="0"/>
             <a:r>
-              <a:rPr lang="en-US" smtClean="0"/>
+              <a:rPr lang="en-US"/>
               <a:t>Click to edit Master text styles</a:t>
             </a:r>
-            <a:endParaRPr lang="en-US" smtClean="0"/>
           </a:p>
         </p:txBody>
       </p:sp>
@@ -1348,6 +1335,7 @@
           <a:p>
             <a:fld id="{63A1C593-65D0-4073-BCC9-577B9352EA97}" type="datetimeFigureOut">
               <a:rPr lang="en-US" smtClean="0"/>
+              <a:t>8/13/2023</a:t>
             </a:fld>
             <a:endParaRPr lang="en-US"/>
           </a:p>
@@ -1389,6 +1377,7 @@
           <a:p>
             <a:fld id="{9B618960-8005-486C-9A75-10CB2AAC16F9}" type="slidenum">
               <a:rPr lang="en-US" smtClean="0"/>
+              <a:t>‹#›</a:t>
             </a:fld>
             <a:endParaRPr lang="en-US"/>
           </a:p>
@@ -1436,10 +1425,9 @@
           <a:lstStyle/>
           <a:p>
             <a:r>
-              <a:rPr lang="en-US" smtClean="0"/>
+              <a:rPr lang="en-US"/>
               <a:t>Click to edit Master title style</a:t>
             </a:r>
-            <a:endParaRPr lang="en-US"/>
           </a:p>
         </p:txBody>
       </p:sp>
@@ -1465,42 +1453,37 @@
           <a:p>
             <a:pPr lvl="0"/>
             <a:r>
-              <a:rPr lang="en-US" smtClean="0"/>
+              <a:rPr lang="en-US"/>
               <a:t>Click to edit Master text styles</a:t>
             </a:r>
-            <a:endParaRPr lang="en-US" smtClean="0"/>
           </a:p>
           <a:p>
             <a:pPr lvl="1"/>
             <a:r>
-              <a:rPr lang="en-US" smtClean="0"/>
+              <a:rPr lang="en-US"/>
               <a:t>Second level</a:t>
             </a:r>
-            <a:endParaRPr lang="en-US" smtClean="0"/>
           </a:p>
           <a:p>
             <a:pPr lvl="2"/>
             <a:r>
-              <a:rPr lang="en-US" smtClean="0"/>
+              <a:rPr lang="en-US"/>
               <a:t>Third level</a:t>
             </a:r>
-            <a:endParaRPr lang="en-US" smtClean="0"/>
           </a:p>
           <a:p>
             <a:pPr lvl="3"/>
             <a:r>
-              <a:rPr lang="en-US" smtClean="0"/>
+              <a:rPr lang="en-US"/>
               <a:t>Fourth level</a:t>
             </a:r>
-            <a:endParaRPr lang="en-US" smtClean="0"/>
           </a:p>
           <a:p>
             <a:pPr lvl="4"/>
             <a:r>
-              <a:rPr lang="en-US" smtClean="0"/>
+              <a:rPr lang="en-US"/>
               <a:t>Fifth level</a:t>
             </a:r>
-            <a:endParaRPr lang="en-US"/>
           </a:p>
         </p:txBody>
       </p:sp>
@@ -1526,42 +1509,37 @@
           <a:p>
             <a:pPr lvl="0"/>
             <a:r>
-              <a:rPr lang="en-US" smtClean="0"/>
+              <a:rPr lang="en-US"/>
               <a:t>Click to edit Master text styles</a:t>
             </a:r>
-            <a:endParaRPr lang="en-US" smtClean="0"/>
           </a:p>
           <a:p>
             <a:pPr lvl="1"/>
             <a:r>
-              <a:rPr lang="en-US" smtClean="0"/>
+              <a:rPr lang="en-US"/>
               <a:t>Second level</a:t>
             </a:r>
-            <a:endParaRPr lang="en-US" smtClean="0"/>
           </a:p>
           <a:p>
             <a:pPr lvl="2"/>
             <a:r>
-              <a:rPr lang="en-US" smtClean="0"/>
+              <a:rPr lang="en-US"/>
               <a:t>Third level</a:t>
             </a:r>
-            <a:endParaRPr lang="en-US" smtClean="0"/>
           </a:p>
           <a:p>
             <a:pPr lvl="3"/>
             <a:r>
-              <a:rPr lang="en-US" smtClean="0"/>
+              <a:rPr lang="en-US"/>
               <a:t>Fourth level</a:t>
             </a:r>
-            <a:endParaRPr lang="en-US" smtClean="0"/>
           </a:p>
           <a:p>
             <a:pPr lvl="4"/>
             <a:r>
-              <a:rPr lang="en-US" smtClean="0"/>
+              <a:rPr lang="en-US"/>
               <a:t>Fifth level</a:t>
             </a:r>
-            <a:endParaRPr lang="en-US"/>
           </a:p>
         </p:txBody>
       </p:sp>
@@ -1582,6 +1560,7 @@
           <a:p>
             <a:fld id="{63A1C593-65D0-4073-BCC9-577B9352EA97}" type="datetimeFigureOut">
               <a:rPr lang="en-US" smtClean="0"/>
+              <a:t>8/13/2023</a:t>
             </a:fld>
             <a:endParaRPr lang="en-US"/>
           </a:p>
@@ -1623,6 +1602,7 @@
           <a:p>
             <a:fld id="{9B618960-8005-486C-9A75-10CB2AAC16F9}" type="slidenum">
               <a:rPr lang="en-US" smtClean="0"/>
+              <a:t>‹#›</a:t>
             </a:fld>
             <a:endParaRPr lang="en-US"/>
           </a:p>
@@ -1675,10 +1655,9 @@
           <a:lstStyle/>
           <a:p>
             <a:r>
-              <a:rPr lang="en-US" smtClean="0"/>
+              <a:rPr lang="en-US"/>
               <a:t>Click to edit Master title style</a:t>
             </a:r>
-            <a:endParaRPr lang="en-US"/>
           </a:p>
         </p:txBody>
       </p:sp>
@@ -1741,10 +1720,9 @@
           <a:p>
             <a:pPr lvl="0"/>
             <a:r>
-              <a:rPr lang="en-US" smtClean="0"/>
+              <a:rPr lang="en-US"/>
               <a:t>Click to edit Master text styles</a:t>
             </a:r>
-            <a:endParaRPr lang="en-US" smtClean="0"/>
           </a:p>
         </p:txBody>
       </p:sp>
@@ -1770,42 +1748,37 @@
           <a:p>
             <a:pPr lvl="0"/>
             <a:r>
-              <a:rPr lang="en-US" smtClean="0"/>
+              <a:rPr lang="en-US"/>
               <a:t>Click to edit Master text styles</a:t>
             </a:r>
-            <a:endParaRPr lang="en-US" smtClean="0"/>
           </a:p>
           <a:p>
             <a:pPr lvl="1"/>
             <a:r>
-              <a:rPr lang="en-US" smtClean="0"/>
+              <a:rPr lang="en-US"/>
               <a:t>Second level</a:t>
             </a:r>
-            <a:endParaRPr lang="en-US" smtClean="0"/>
           </a:p>
           <a:p>
             <a:pPr lvl="2"/>
             <a:r>
-              <a:rPr lang="en-US" smtClean="0"/>
+              <a:rPr lang="en-US"/>
               <a:t>Third level</a:t>
             </a:r>
-            <a:endParaRPr lang="en-US" smtClean="0"/>
           </a:p>
           <a:p>
             <a:pPr lvl="3"/>
             <a:r>
-              <a:rPr lang="en-US" smtClean="0"/>
+              <a:rPr lang="en-US"/>
               <a:t>Fourth level</a:t>
             </a:r>
-            <a:endParaRPr lang="en-US" smtClean="0"/>
           </a:p>
           <a:p>
             <a:pPr lvl="4"/>
             <a:r>
-              <a:rPr lang="en-US" smtClean="0"/>
+              <a:rPr lang="en-US"/>
               <a:t>Fifth level</a:t>
             </a:r>
-            <a:endParaRPr lang="en-US"/>
           </a:p>
         </p:txBody>
       </p:sp>
@@ -1868,10 +1841,9 @@
           <a:p>
             <a:pPr lvl="0"/>
             <a:r>
-              <a:rPr lang="en-US" smtClean="0"/>
+              <a:rPr lang="en-US"/>
               <a:t>Click to edit Master text styles</a:t>
             </a:r>
-            <a:endParaRPr lang="en-US" smtClean="0"/>
           </a:p>
         </p:txBody>
       </p:sp>
@@ -1897,42 +1869,37 @@
           <a:p>
             <a:pPr lvl="0"/>
             <a:r>
-              <a:rPr lang="en-US" smtClean="0"/>
+              <a:rPr lang="en-US"/>
               <a:t>Click to edit Master text styles</a:t>
             </a:r>
-            <a:endParaRPr lang="en-US" smtClean="0"/>
           </a:p>
           <a:p>
             <a:pPr lvl="1"/>
             <a:r>
-              <a:rPr lang="en-US" smtClean="0"/>
+              <a:rPr lang="en-US"/>
               <a:t>Second level</a:t>
             </a:r>
-            <a:endParaRPr lang="en-US" smtClean="0"/>
           </a:p>
           <a:p>
             <a:pPr lvl="2"/>
             <a:r>
-              <a:rPr lang="en-US" smtClean="0"/>
+              <a:rPr lang="en-US"/>
               <a:t>Third level</a:t>
             </a:r>
-            <a:endParaRPr lang="en-US" smtClean="0"/>
           </a:p>
           <a:p>
             <a:pPr lvl="3"/>
             <a:r>
-              <a:rPr lang="en-US" smtClean="0"/>
+              <a:rPr lang="en-US"/>
               <a:t>Fourth level</a:t>
             </a:r>
-            <a:endParaRPr lang="en-US" smtClean="0"/>
           </a:p>
           <a:p>
             <a:pPr lvl="4"/>
             <a:r>
-              <a:rPr lang="en-US" smtClean="0"/>
+              <a:rPr lang="en-US"/>
               <a:t>Fifth level</a:t>
             </a:r>
-            <a:endParaRPr lang="en-US"/>
           </a:p>
         </p:txBody>
       </p:sp>
@@ -1953,6 +1920,7 @@
           <a:p>
             <a:fld id="{63A1C593-65D0-4073-BCC9-577B9352EA97}" type="datetimeFigureOut">
               <a:rPr lang="en-US" smtClean="0"/>
+              <a:t>8/13/2023</a:t>
             </a:fld>
             <a:endParaRPr lang="en-US"/>
           </a:p>
@@ -1994,6 +1962,7 @@
           <a:p>
             <a:fld id="{9B618960-8005-486C-9A75-10CB2AAC16F9}" type="slidenum">
               <a:rPr lang="en-US" smtClean="0"/>
+              <a:t>‹#›</a:t>
             </a:fld>
             <a:endParaRPr lang="en-US"/>
           </a:p>
@@ -2041,10 +2010,9 @@
           <a:lstStyle/>
           <a:p>
             <a:r>
-              <a:rPr lang="en-US" smtClean="0"/>
+              <a:rPr lang="en-US"/>
               <a:t>Click to edit Master title style</a:t>
             </a:r>
-            <a:endParaRPr lang="en-US"/>
           </a:p>
         </p:txBody>
       </p:sp>
@@ -2065,6 +2033,7 @@
           <a:p>
             <a:fld id="{63A1C593-65D0-4073-BCC9-577B9352EA97}" type="datetimeFigureOut">
               <a:rPr lang="en-US" smtClean="0"/>
+              <a:t>8/13/2023</a:t>
             </a:fld>
             <a:endParaRPr lang="en-US"/>
           </a:p>
@@ -2106,6 +2075,7 @@
           <a:p>
             <a:fld id="{9B618960-8005-486C-9A75-10CB2AAC16F9}" type="slidenum">
               <a:rPr lang="en-US" smtClean="0"/>
+              <a:t>‹#›</a:t>
             </a:fld>
             <a:endParaRPr lang="en-US"/>
           </a:p>
@@ -2154,6 +2124,7 @@
           <a:p>
             <a:fld id="{63A1C593-65D0-4073-BCC9-577B9352EA97}" type="datetimeFigureOut">
               <a:rPr lang="en-US" smtClean="0"/>
+              <a:t>8/13/2023</a:t>
             </a:fld>
             <a:endParaRPr lang="en-US"/>
           </a:p>
@@ -2195,6 +2166,7 @@
           <a:p>
             <a:fld id="{9B618960-8005-486C-9A75-10CB2AAC16F9}" type="slidenum">
               <a:rPr lang="en-US" smtClean="0"/>
+              <a:t>‹#›</a:t>
             </a:fld>
             <a:endParaRPr lang="en-US"/>
           </a:p>
@@ -2251,10 +2223,9 @@
           </a:lstStyle>
           <a:p>
             <a:r>
-              <a:rPr lang="en-US" smtClean="0"/>
+              <a:rPr lang="en-US"/>
               <a:t>Click to edit Master title style</a:t>
             </a:r>
-            <a:endParaRPr lang="en-US"/>
           </a:p>
         </p:txBody>
       </p:sp>
@@ -2308,42 +2279,37 @@
           <a:p>
             <a:pPr lvl="0"/>
             <a:r>
-              <a:rPr lang="en-US" smtClean="0"/>
+              <a:rPr lang="en-US"/>
               <a:t>Click to edit Master text styles</a:t>
             </a:r>
-            <a:endParaRPr lang="en-US" smtClean="0"/>
           </a:p>
           <a:p>
             <a:pPr lvl="1"/>
             <a:r>
-              <a:rPr lang="en-US" smtClean="0"/>
+              <a:rPr lang="en-US"/>
               <a:t>Second level</a:t>
             </a:r>
-            <a:endParaRPr lang="en-US" smtClean="0"/>
           </a:p>
           <a:p>
             <a:pPr lvl="2"/>
             <a:r>
-              <a:rPr lang="en-US" smtClean="0"/>
+              <a:rPr lang="en-US"/>
               <a:t>Third level</a:t>
             </a:r>
-            <a:endParaRPr lang="en-US" smtClean="0"/>
           </a:p>
           <a:p>
             <a:pPr lvl="3"/>
             <a:r>
-              <a:rPr lang="en-US" smtClean="0"/>
+              <a:rPr lang="en-US"/>
               <a:t>Fourth level</a:t>
             </a:r>
-            <a:endParaRPr lang="en-US" smtClean="0"/>
           </a:p>
           <a:p>
             <a:pPr lvl="4"/>
             <a:r>
-              <a:rPr lang="en-US" smtClean="0"/>
+              <a:rPr lang="en-US"/>
               <a:t>Fifth level</a:t>
             </a:r>
-            <a:endParaRPr lang="en-US"/>
           </a:p>
         </p:txBody>
       </p:sp>
@@ -2406,10 +2372,9 @@
           <a:p>
             <a:pPr lvl="0"/>
             <a:r>
-              <a:rPr lang="en-US" smtClean="0"/>
+              <a:rPr lang="en-US"/>
               <a:t>Click to edit Master text styles</a:t>
             </a:r>
-            <a:endParaRPr lang="en-US" smtClean="0"/>
           </a:p>
         </p:txBody>
       </p:sp>
@@ -2430,6 +2395,7 @@
           <a:p>
             <a:fld id="{63A1C593-65D0-4073-BCC9-577B9352EA97}" type="datetimeFigureOut">
               <a:rPr lang="en-US" smtClean="0"/>
+              <a:t>8/13/2023</a:t>
             </a:fld>
             <a:endParaRPr lang="en-US"/>
           </a:p>
@@ -2471,6 +2437,7 @@
           <a:p>
             <a:fld id="{9B618960-8005-486C-9A75-10CB2AAC16F9}" type="slidenum">
               <a:rPr lang="en-US" smtClean="0"/>
+              <a:t>‹#›</a:t>
             </a:fld>
             <a:endParaRPr lang="en-US"/>
           </a:p>
@@ -2527,10 +2494,9 @@
           </a:lstStyle>
           <a:p>
             <a:r>
-              <a:rPr lang="en-US" smtClean="0"/>
+              <a:rPr lang="en-US"/>
               <a:t>Click to edit Master title style</a:t>
             </a:r>
-            <a:endParaRPr lang="en-US"/>
           </a:p>
         </p:txBody>
       </p:sp>
@@ -2654,10 +2620,9 @@
           <a:p>
             <a:pPr lvl="0"/>
             <a:r>
-              <a:rPr lang="en-US" smtClean="0"/>
+              <a:rPr lang="en-US"/>
               <a:t>Click to edit Master text styles</a:t>
             </a:r>
-            <a:endParaRPr lang="en-US" smtClean="0"/>
           </a:p>
         </p:txBody>
       </p:sp>
@@ -2678,6 +2643,7 @@
           <a:p>
             <a:fld id="{63A1C593-65D0-4073-BCC9-577B9352EA97}" type="datetimeFigureOut">
               <a:rPr lang="en-US" smtClean="0"/>
+              <a:t>8/13/2023</a:t>
             </a:fld>
             <a:endParaRPr lang="en-US"/>
           </a:p>
@@ -2719,6 +2685,7 @@
           <a:p>
             <a:fld id="{9B618960-8005-486C-9A75-10CB2AAC16F9}" type="slidenum">
               <a:rPr lang="en-US" smtClean="0"/>
+              <a:t>‹#›</a:t>
             </a:fld>
             <a:endParaRPr lang="en-US"/>
           </a:p>
@@ -2781,10 +2748,9 @@
           <a:lstStyle/>
           <a:p>
             <a:r>
-              <a:rPr lang="en-US" smtClean="0"/>
+              <a:rPr lang="en-US"/>
               <a:t>Click to edit Master title style</a:t>
             </a:r>
-            <a:endParaRPr lang="en-US"/>
           </a:p>
         </p:txBody>
       </p:sp>
@@ -2815,42 +2781,37 @@
           <a:p>
             <a:pPr lvl="0"/>
             <a:r>
-              <a:rPr lang="en-US" smtClean="0"/>
+              <a:rPr lang="en-US"/>
               <a:t>Click to edit Master text styles</a:t>
             </a:r>
-            <a:endParaRPr lang="en-US" smtClean="0"/>
           </a:p>
           <a:p>
             <a:pPr lvl="1"/>
             <a:r>
-              <a:rPr lang="en-US" smtClean="0"/>
+              <a:rPr lang="en-US"/>
               <a:t>Second level</a:t>
             </a:r>
-            <a:endParaRPr lang="en-US" smtClean="0"/>
           </a:p>
           <a:p>
             <a:pPr lvl="2"/>
             <a:r>
-              <a:rPr lang="en-US" smtClean="0"/>
+              <a:rPr lang="en-US"/>
               <a:t>Third level</a:t>
             </a:r>
-            <a:endParaRPr lang="en-US" smtClean="0"/>
           </a:p>
           <a:p>
             <a:pPr lvl="3"/>
             <a:r>
-              <a:rPr lang="en-US" smtClean="0"/>
+              <a:rPr lang="en-US"/>
               <a:t>Fourth level</a:t>
             </a:r>
-            <a:endParaRPr lang="en-US" smtClean="0"/>
           </a:p>
           <a:p>
             <a:pPr lvl="4"/>
             <a:r>
-              <a:rPr lang="en-US" smtClean="0"/>
+              <a:rPr lang="en-US"/>
               <a:t>Fifth level</a:t>
             </a:r>
-            <a:endParaRPr lang="en-US"/>
           </a:p>
         </p:txBody>
       </p:sp>
@@ -2889,6 +2850,7 @@
           <a:p>
             <a:fld id="{63A1C593-65D0-4073-BCC9-577B9352EA97}" type="datetimeFigureOut">
               <a:rPr lang="en-US" smtClean="0"/>
+              <a:t>8/13/2023</a:t>
             </a:fld>
             <a:endParaRPr lang="en-US"/>
           </a:p>
@@ -2966,6 +2928,7 @@
           <a:p>
             <a:fld id="{9B618960-8005-486C-9A75-10CB2AAC16F9}" type="slidenum">
               <a:rPr lang="en-US" smtClean="0"/>
+              <a:t>‹#›</a:t>
             </a:fld>
             <a:endParaRPr lang="en-US"/>
           </a:p>
@@ -3295,7 +3258,7 @@
           <p:nvPr/>
         </p:nvPicPr>
         <p:blipFill>
-          <a:blip r:embed="rId1" cstate="print"/>
+          <a:blip r:embed="rId2" cstate="print"/>
           <a:stretch>
             <a:fillRect/>
           </a:stretch>
@@ -3368,9 +3331,11 @@
         <p:spPr/>
         <p:txBody>
           <a:bodyPr/>
+          <a:lstStyle/>
           <a:p>
             <a:fld id="{B6F15528-21DE-4FAA-801E-634DDDAF4B2B}" type="slidenum">
               <a:rPr sz="900"/>
+              <a:t>1</a:t>
             </a:fld>
             <a:endParaRPr sz="900"/>
           </a:p>
@@ -3452,9 +3417,11 @@
         <p:spPr/>
         <p:txBody>
           <a:bodyPr/>
+          <a:lstStyle/>
           <a:p>
             <a:fld id="{9B618960-8005-486C-9A75-10CB2AAC16F9}" type="slidenum">
               <a:rPr lang="en-US" smtClean="0"/>
+              <a:t>2</a:t>
             </a:fld>
             <a:endParaRPr lang="en-US"/>
           </a:p>
@@ -3474,12 +3441,12 @@
           <a:graphicData uri="http://schemas.openxmlformats.org/presentationml/2006/ole">
             <mc:AlternateContent xmlns:mc="http://schemas.openxmlformats.org/markup-compatibility/2006">
               <mc:Choice xmlns:v="urn:schemas-microsoft-com:vml" Requires="v">
-                <p:oleObj spid="_x0000_s6" name="" r:id="rId1" imgW="10544175" imgH="5295900" progId="Paint.Picture">
+                <p:oleObj r:id="rId2" imgW="10544175" imgH="5295900" progId="Paint.Picture">
                   <p:embed/>
                 </p:oleObj>
               </mc:Choice>
               <mc:Fallback>
-                <p:oleObj name="" r:id="rId1" imgW="10544175" imgH="5295900" progId="Paint.Picture">
+                <p:oleObj r:id="rId2" imgW="10544175" imgH="5295900" progId="Paint.Picture">
                   <p:embed/>
                   <p:pic>
                     <p:nvPicPr>
@@ -3488,7 +3455,7 @@
                       <p:nvPr/>
                     </p:nvPicPr>
                     <p:blipFill>
-                      <a:blip r:embed="rId2"/>
+                      <a:blip r:embed="rId3"/>
                       <a:stretch>
                         <a:fillRect/>
                       </a:stretch>
@@ -3526,7 +3493,14 @@
         <p:cNvGrpSpPr/>
         <p:nvPr/>
       </p:nvGrpSpPr>
-      <p:grpSpPr/>
+      <p:grpSpPr>
+        <a:xfrm>
+          <a:off x="0" y="0"/>
+          <a:ext cx="0" cy="0"/>
+          <a:chOff x="0" y="0"/>
+          <a:chExt cx="0" cy="0"/>
+        </a:xfrm>
+      </p:grpSpPr>
       <p:sp>
         <p:nvSpPr>
           <p:cNvPr id="4" name="Slide Number Placeholder 3"/>
@@ -3540,9 +3514,11 @@
         <p:spPr/>
         <p:txBody>
           <a:bodyPr/>
+          <a:lstStyle/>
           <a:p>
             <a:fld id="{9B618960-8005-486C-9A75-10CB2AAC16F9}" type="slidenum">
               <a:rPr lang="en-US" smtClean="0"/>
+              <a:t>3</a:t>
             </a:fld>
             <a:endParaRPr lang="en-US"/>
           </a:p>
@@ -3552,14 +3528,14 @@
         <p:nvPicPr>
           <p:cNvPr id="5" name="Content Placeholder 4"/>
           <p:cNvPicPr>
-            <a:picLocks noChangeAspect="1"/>
+            <a:picLocks noGrp="1" noChangeAspect="1"/>
           </p:cNvPicPr>
           <p:nvPr>
             <p:ph idx="1"/>
           </p:nvPr>
         </p:nvPicPr>
         <p:blipFill>
-          <a:blip r:embed="rId1"/>
+          <a:blip r:embed="rId2"/>
           <a:stretch>
             <a:fillRect/>
           </a:stretch>
@@ -3591,7 +3567,14 @@
         <p:cNvGrpSpPr/>
         <p:nvPr/>
       </p:nvGrpSpPr>
-      <p:grpSpPr/>
+      <p:grpSpPr>
+        <a:xfrm>
+          <a:off x="0" y="0"/>
+          <a:ext cx="0" cy="0"/>
+          <a:chOff x="0" y="0"/>
+          <a:chExt cx="0" cy="0"/>
+        </a:xfrm>
+      </p:grpSpPr>
       <p:sp>
         <p:nvSpPr>
           <p:cNvPr id="4" name="Slide Number Placeholder 3"/>
@@ -3605,34 +3588,65 @@
         <p:spPr/>
         <p:txBody>
           <a:bodyPr/>
+          <a:lstStyle/>
           <a:p>
             <a:fld id="{9B618960-8005-486C-9A75-10CB2AAC16F9}" type="slidenum">
               <a:rPr lang="en-US" smtClean="0"/>
+              <a:t>4</a:t>
             </a:fld>
+            <a:endParaRPr lang="en-US"/>
+          </a:p>
+        </p:txBody>
+      </p:sp>
+      <p:sp>
+        <p:nvSpPr>
+          <p:cNvPr id="3" name="Content Placeholder 2">
+            <a:extLst>
+              <a:ext uri="{FF2B5EF4-FFF2-40B4-BE49-F238E27FC236}">
+                <a16:creationId xmlns:a16="http://schemas.microsoft.com/office/drawing/2014/main" id="{87D4AA0E-DE6C-02AD-9554-AEB2F92F481D}"/>
+              </a:ext>
+            </a:extLst>
+          </p:cNvPr>
+          <p:cNvSpPr>
+            <a:spLocks noGrp="1"/>
+          </p:cNvSpPr>
+          <p:nvPr>
+            <p:ph idx="1"/>
+          </p:nvPr>
+        </p:nvSpPr>
+        <p:spPr/>
+        <p:txBody>
+          <a:bodyPr/>
+          <a:lstStyle/>
+          <a:p>
             <a:endParaRPr lang="en-US"/>
           </a:p>
         </p:txBody>
       </p:sp>
       <p:pic>
         <p:nvPicPr>
-          <p:cNvPr id="5" name="Content Placeholder 4"/>
+          <p:cNvPr id="9" name="Picture 8">
+            <a:extLst>
+              <a:ext uri="{FF2B5EF4-FFF2-40B4-BE49-F238E27FC236}">
+                <a16:creationId xmlns:a16="http://schemas.microsoft.com/office/drawing/2014/main" id="{8E2407A1-5E29-577B-6FE1-FBE71599BBEB}"/>
+              </a:ext>
+            </a:extLst>
+          </p:cNvPr>
           <p:cNvPicPr>
             <a:picLocks noChangeAspect="1"/>
           </p:cNvPicPr>
-          <p:nvPr>
-            <p:ph idx="1"/>
-          </p:nvPr>
+          <p:nvPr/>
         </p:nvPicPr>
         <p:blipFill>
-          <a:blip r:embed="rId1"/>
+          <a:blip r:embed="rId2"/>
           <a:stretch>
             <a:fillRect/>
           </a:stretch>
         </p:blipFill>
         <p:spPr>
           <a:xfrm>
-            <a:off x="1217295" y="773430"/>
-            <a:ext cx="9756775" cy="5582920"/>
+            <a:off x="676275" y="957262"/>
+            <a:ext cx="10839450" cy="4943475"/>
           </a:xfrm>
           <a:prstGeom prst="rect">
             <a:avLst/>
@@ -3656,7 +3670,14 @@
         <p:cNvGrpSpPr/>
         <p:nvPr/>
       </p:nvGrpSpPr>
-      <p:grpSpPr/>
+      <p:grpSpPr>
+        <a:xfrm>
+          <a:off x="0" y="0"/>
+          <a:ext cx="0" cy="0"/>
+          <a:chOff x="0" y="0"/>
+          <a:chExt cx="0" cy="0"/>
+        </a:xfrm>
+      </p:grpSpPr>
       <p:sp>
         <p:nvSpPr>
           <p:cNvPr id="4" name="Slide Number Placeholder 3"/>
@@ -3670,9 +3691,11 @@
         <p:spPr/>
         <p:txBody>
           <a:bodyPr/>
+          <a:lstStyle/>
           <a:p>
             <a:fld id="{9B618960-8005-486C-9A75-10CB2AAC16F9}" type="slidenum">
               <a:rPr lang="en-US" smtClean="0"/>
+              <a:t>5</a:t>
             </a:fld>
             <a:endParaRPr lang="en-US"/>
           </a:p>
@@ -3682,79 +3705,14 @@
         <p:nvPicPr>
           <p:cNvPr id="5" name="Content Placeholder 4"/>
           <p:cNvPicPr>
-            <a:picLocks noChangeAspect="1"/>
+            <a:picLocks noGrp="1" noChangeAspect="1"/>
           </p:cNvPicPr>
           <p:nvPr>
             <p:ph idx="1"/>
           </p:nvPr>
         </p:nvPicPr>
         <p:blipFill>
-          <a:blip r:embed="rId1"/>
-          <a:stretch>
-            <a:fillRect/>
-          </a:stretch>
-        </p:blipFill>
-        <p:spPr>
-          <a:xfrm>
-            <a:off x="558800" y="939165"/>
-            <a:ext cx="11073765" cy="5295900"/>
-          </a:xfrm>
-          <a:prstGeom prst="rect">
-            <a:avLst/>
-          </a:prstGeom>
-        </p:spPr>
-      </p:pic>
-    </p:spTree>
-  </p:cSld>
-  <p:clrMapOvr>
-    <a:masterClrMapping/>
-  </p:clrMapOvr>
-</p:sld>
-</file>
-
-<file path=ppt/slides/slide6.xml><?xml version="1.0" encoding="utf-8"?>
-<p:sld xmlns:a="http://schemas.openxmlformats.org/drawingml/2006/main" xmlns:r="http://schemas.openxmlformats.org/officeDocument/2006/relationships" xmlns:p="http://schemas.openxmlformats.org/presentationml/2006/main">
-  <p:cSld>
-    <p:spTree>
-      <p:nvGrpSpPr>
-        <p:cNvPr id="1" name=""/>
-        <p:cNvGrpSpPr/>
-        <p:nvPr/>
-      </p:nvGrpSpPr>
-      <p:grpSpPr/>
-      <p:sp>
-        <p:nvSpPr>
-          <p:cNvPr id="4" name="Slide Number Placeholder 3"/>
-          <p:cNvSpPr>
-            <a:spLocks noGrp="1"/>
-          </p:cNvSpPr>
-          <p:nvPr>
-            <p:ph type="sldNum" sz="quarter" idx="12"/>
-          </p:nvPr>
-        </p:nvSpPr>
-        <p:spPr/>
-        <p:txBody>
-          <a:bodyPr/>
-          <a:p>
-            <a:fld id="{9B618960-8005-486C-9A75-10CB2AAC16F9}" type="slidenum">
-              <a:rPr lang="en-US" smtClean="0"/>
-            </a:fld>
-            <a:endParaRPr lang="en-US"/>
-          </a:p>
-        </p:txBody>
-      </p:sp>
-      <p:pic>
-        <p:nvPicPr>
-          <p:cNvPr id="5" name="Content Placeholder 4"/>
-          <p:cNvPicPr>
-            <a:picLocks noChangeAspect="1"/>
-          </p:cNvPicPr>
-          <p:nvPr>
-            <p:ph idx="1"/>
-          </p:nvPr>
-        </p:nvPicPr>
-        <p:blipFill>
-          <a:blip r:embed="rId1"/>
+          <a:blip r:embed="rId2"/>
           <a:stretch>
             <a:fillRect/>
           </a:stretch>
@@ -4028,6 +3986,8 @@
       </a:bgFillStyleLst>
     </a:fmtScheme>
   </a:themeElements>
+  <a:objectDefaults/>
+  <a:extraClrSchemeLst/>
   <a:extLst>
     <a:ext uri="{05A4C25C-085E-4340-85A3-A5531E510DB2}">
       <thm15:themeFamily xmlns:thm15="http://schemas.microsoft.com/office/thememl/2012/main" name="Office Theme" id="{62F939B6-93AF-4DB8-9C6B-D6C7DFDC589F}" vid="{4A3C46E8-61CC-4603-A589-7422A47A8E4A}"/>
@@ -4287,6 +4247,8 @@
       </a:bgFillStyleLst>
     </a:fmtScheme>
   </a:themeElements>
+  <a:objectDefaults/>
+  <a:extraClrSchemeLst/>
   <a:extLst>
     <a:ext uri="{05A4C25C-085E-4340-85A3-A5531E510DB2}">
       <thm15:themeFamily xmlns:thm15="http://schemas.microsoft.com/office/thememl/2012/main" name="Office Theme" id="{62F939B6-93AF-4DB8-9C6B-D6C7DFDC589F}" vid="{4A3C46E8-61CC-4603-A589-7422A47A8E4A}"/>
